--- a/Slides/3 - JSX Templates Components and Data.pptx
+++ b/Slides/3 - JSX Templates Components and Data.pptx
@@ -5,17 +5,21 @@
     <p:sldMasterId id="2147483660" r:id="rId1"/>
   </p:sldMasterIdLst>
   <p:notesMasterIdLst>
-    <p:notesMasterId r:id="rId10"/>
+    <p:notesMasterId r:id="rId14"/>
   </p:notesMasterIdLst>
   <p:sldIdLst>
     <p:sldId id="451" r:id="rId2"/>
     <p:sldId id="465" r:id="rId3"/>
-    <p:sldId id="481" r:id="rId4"/>
-    <p:sldId id="482" r:id="rId5"/>
-    <p:sldId id="483" r:id="rId6"/>
-    <p:sldId id="484" r:id="rId7"/>
-    <p:sldId id="480" r:id="rId8"/>
-    <p:sldId id="450" r:id="rId9"/>
+    <p:sldId id="487" r:id="rId4"/>
+    <p:sldId id="486" r:id="rId5"/>
+    <p:sldId id="481" r:id="rId6"/>
+    <p:sldId id="485" r:id="rId7"/>
+    <p:sldId id="482" r:id="rId8"/>
+    <p:sldId id="488" r:id="rId9"/>
+    <p:sldId id="489" r:id="rId10"/>
+    <p:sldId id="484" r:id="rId11"/>
+    <p:sldId id="480" r:id="rId12"/>
+    <p:sldId id="450" r:id="rId13"/>
   </p:sldIdLst>
   <p:sldSz cx="12192000" cy="6858000"/>
   <p:notesSz cx="6858000" cy="9144000"/>
@@ -121,9 +125,13 @@
           <p14:sldIdLst>
             <p14:sldId id="451"/>
             <p14:sldId id="465"/>
+            <p14:sldId id="487"/>
+            <p14:sldId id="486"/>
             <p14:sldId id="481"/>
+            <p14:sldId id="485"/>
             <p14:sldId id="482"/>
-            <p14:sldId id="483"/>
+            <p14:sldId id="488"/>
+            <p14:sldId id="489"/>
             <p14:sldId id="484"/>
             <p14:sldId id="480"/>
             <p14:sldId id="450"/>
@@ -223,7 +231,7 @@
           <a:p>
             <a:fld id="{A9DDBD42-E139-45FA-9C16-1611187CAC3F}" type="datetimeFigureOut">
               <a:rPr lang="en-US" smtClean="0"/>
-              <a:t>10/17/2015</a:t>
+              <a:t>10/20/2015</a:t>
             </a:fld>
             <a:endParaRPr lang="en-US"/>
           </a:p>
@@ -572,6 +580,102 @@
     <p:extLst>
       <p:ext uri="{BB962C8B-B14F-4D97-AF65-F5344CB8AC3E}">
         <p14:creationId xmlns:p14="http://schemas.microsoft.com/office/powerpoint/2010/main" val="1744050345"/>
+      </p:ext>
+    </p:extLst>
+  </p:cSld>
+  <p:clrMapOvr>
+    <a:masterClrMapping/>
+  </p:clrMapOvr>
+</p:notes>
+</file>
+
+<file path=ppt/notesSlides/notesSlide2.xml><?xml version="1.0" encoding="utf-8"?>
+<p:notes xmlns:a="http://schemas.openxmlformats.org/drawingml/2006/main" xmlns:r="http://schemas.openxmlformats.org/officeDocument/2006/relationships" xmlns:p="http://schemas.openxmlformats.org/presentationml/2006/main">
+  <p:cSld>
+    <p:spTree>
+      <p:nvGrpSpPr>
+        <p:cNvPr id="1" name=""/>
+        <p:cNvGrpSpPr/>
+        <p:nvPr/>
+      </p:nvGrpSpPr>
+      <p:grpSpPr>
+        <a:xfrm>
+          <a:off x="0" y="0"/>
+          <a:ext cx="0" cy="0"/>
+          <a:chOff x="0" y="0"/>
+          <a:chExt cx="0" cy="0"/>
+        </a:xfrm>
+      </p:grpSpPr>
+      <p:sp>
+        <p:nvSpPr>
+          <p:cNvPr id="2" name="Slide Image Placeholder 1"/>
+          <p:cNvSpPr>
+            <a:spLocks noGrp="1" noRot="1" noChangeAspect="1"/>
+          </p:cNvSpPr>
+          <p:nvPr>
+            <p:ph type="sldImg"/>
+          </p:nvPr>
+        </p:nvSpPr>
+        <p:spPr/>
+      </p:sp>
+      <p:sp>
+        <p:nvSpPr>
+          <p:cNvPr id="3" name="Notes Placeholder 2"/>
+          <p:cNvSpPr>
+            <a:spLocks noGrp="1"/>
+          </p:cNvSpPr>
+          <p:nvPr>
+            <p:ph type="body" idx="1"/>
+          </p:nvPr>
+        </p:nvSpPr>
+        <p:spPr/>
+        <p:txBody>
+          <a:bodyPr/>
+          <a:lstStyle/>
+          <a:p>
+            <a:r>
+              <a:rPr lang="en-US" dirty="0" smtClean="0"/>
+              <a:t>Clone https://github.com/reactjs/React.NET </a:t>
+            </a:r>
+            <a:r>
+              <a:rPr lang="en-US" smtClean="0"/>
+              <a:t>and</a:t>
+            </a:r>
+            <a:r>
+              <a:rPr lang="en-US" baseline="0" smtClean="0"/>
+              <a:t> run</a:t>
+            </a:r>
+            <a:endParaRPr lang="en-US"/>
+          </a:p>
+        </p:txBody>
+      </p:sp>
+      <p:sp>
+        <p:nvSpPr>
+          <p:cNvPr id="4" name="Slide Number Placeholder 3"/>
+          <p:cNvSpPr>
+            <a:spLocks noGrp="1"/>
+          </p:cNvSpPr>
+          <p:nvPr>
+            <p:ph type="sldNum" sz="quarter" idx="10"/>
+          </p:nvPr>
+        </p:nvSpPr>
+        <p:spPr/>
+        <p:txBody>
+          <a:bodyPr/>
+          <a:lstStyle/>
+          <a:p>
+            <a:fld id="{906AB01E-7BD7-442B-8A6B-D31FAFDAE830}" type="slidenum">
+              <a:rPr lang="en-US" smtClean="0"/>
+              <a:t>11</a:t>
+            </a:fld>
+            <a:endParaRPr lang="en-US"/>
+          </a:p>
+        </p:txBody>
+      </p:sp>
+    </p:spTree>
+    <p:extLst>
+      <p:ext uri="{BB962C8B-B14F-4D97-AF65-F5344CB8AC3E}">
+        <p14:creationId xmlns:p14="http://schemas.microsoft.com/office/powerpoint/2010/main" val="212200924"/>
       </p:ext>
     </p:extLst>
   </p:cSld>
@@ -3257,6 +3361,197 @@
 </p:sld>
 </file>
 
+<file path=ppt/slides/slide10.xml><?xml version="1.0" encoding="utf-8"?>
+<p:sld xmlns:a="http://schemas.openxmlformats.org/drawingml/2006/main" xmlns:r="http://schemas.openxmlformats.org/officeDocument/2006/relationships" xmlns:p="http://schemas.openxmlformats.org/presentationml/2006/main">
+  <p:cSld>
+    <p:spTree>
+      <p:nvGrpSpPr>
+        <p:cNvPr id="1" name=""/>
+        <p:cNvGrpSpPr/>
+        <p:nvPr/>
+      </p:nvGrpSpPr>
+      <p:grpSpPr>
+        <a:xfrm>
+          <a:off x="0" y="0"/>
+          <a:ext cx="0" cy="0"/>
+          <a:chOff x="0" y="0"/>
+          <a:chExt cx="0" cy="0"/>
+        </a:xfrm>
+      </p:grpSpPr>
+      <p:sp>
+        <p:nvSpPr>
+          <p:cNvPr id="2" name="Text Placeholder 1"/>
+          <p:cNvSpPr>
+            <a:spLocks noGrp="1"/>
+          </p:cNvSpPr>
+          <p:nvPr>
+            <p:ph type="body" sz="quarter" idx="10"/>
+          </p:nvPr>
+        </p:nvSpPr>
+        <p:spPr/>
+        <p:txBody>
+          <a:bodyPr/>
+          <a:lstStyle/>
+          <a:p>
+            <a:r>
+              <a:rPr lang="en-US" dirty="0" smtClean="0"/>
+              <a:t>Precompiled JSX</a:t>
+            </a:r>
+            <a:br>
+              <a:rPr lang="en-US" dirty="0" smtClean="0"/>
+            </a:br>
+            <a:r>
+              <a:rPr lang="en-US" sz="2800" dirty="0" smtClean="0"/>
+              <a:t>Captain Isomorphic!</a:t>
+            </a:r>
+            <a:endParaRPr lang="en-US" dirty="0"/>
+          </a:p>
+        </p:txBody>
+      </p:sp>
+      <p:sp>
+        <p:nvSpPr>
+          <p:cNvPr id="3" name="Subtitle 2"/>
+          <p:cNvSpPr>
+            <a:spLocks noGrp="1"/>
+          </p:cNvSpPr>
+          <p:nvPr>
+            <p:ph type="subTitle" idx="1"/>
+          </p:nvPr>
+        </p:nvSpPr>
+        <p:spPr/>
+        <p:txBody>
+          <a:bodyPr/>
+          <a:lstStyle/>
+          <a:p>
+            <a:endParaRPr lang="en-US" dirty="0"/>
+          </a:p>
+        </p:txBody>
+      </p:sp>
+    </p:spTree>
+    <p:extLst>
+      <p:ext uri="{BB962C8B-B14F-4D97-AF65-F5344CB8AC3E}">
+        <p14:creationId xmlns:p14="http://schemas.microsoft.com/office/powerpoint/2010/main" val="2295027288"/>
+      </p:ext>
+    </p:extLst>
+  </p:cSld>
+  <p:clrMapOvr>
+    <a:masterClrMapping/>
+  </p:clrMapOvr>
+  <p:timing>
+    <p:tnLst>
+      <p:par>
+        <p:cTn id="1" dur="indefinite" restart="never" nodeType="tmRoot"/>
+      </p:par>
+    </p:tnLst>
+  </p:timing>
+</p:sld>
+</file>
+
+<file path=ppt/slides/slide11.xml><?xml version="1.0" encoding="utf-8"?>
+<p:sld xmlns:a="http://schemas.openxmlformats.org/drawingml/2006/main" xmlns:r="http://schemas.openxmlformats.org/officeDocument/2006/relationships" xmlns:p="http://schemas.openxmlformats.org/presentationml/2006/main">
+  <p:cSld>
+    <p:spTree>
+      <p:nvGrpSpPr>
+        <p:cNvPr id="1" name=""/>
+        <p:cNvGrpSpPr/>
+        <p:nvPr/>
+      </p:nvGrpSpPr>
+      <p:grpSpPr>
+        <a:xfrm>
+          <a:off x="0" y="0"/>
+          <a:ext cx="0" cy="0"/>
+          <a:chOff x="0" y="0"/>
+          <a:chExt cx="0" cy="0"/>
+        </a:xfrm>
+      </p:grpSpPr>
+      <p:sp>
+        <p:nvSpPr>
+          <p:cNvPr id="4" name="Title 3"/>
+          <p:cNvSpPr>
+            <a:spLocks noGrp="1"/>
+          </p:cNvSpPr>
+          <p:nvPr>
+            <p:ph type="title"/>
+          </p:nvPr>
+        </p:nvSpPr>
+        <p:spPr/>
+        <p:txBody>
+          <a:bodyPr/>
+          <a:lstStyle/>
+          <a:p>
+            <a:r>
+              <a:rPr lang="en-US" smtClean="0"/>
+              <a:t>JSX</a:t>
+            </a:r>
+            <a:endParaRPr lang="en-US" dirty="0"/>
+          </a:p>
+        </p:txBody>
+      </p:sp>
+    </p:spTree>
+    <p:extLst>
+      <p:ext uri="{BB962C8B-B14F-4D97-AF65-F5344CB8AC3E}">
+        <p14:creationId xmlns:p14="http://schemas.microsoft.com/office/powerpoint/2010/main" val="2070553552"/>
+      </p:ext>
+    </p:extLst>
+  </p:cSld>
+  <p:clrMapOvr>
+    <a:masterClrMapping/>
+  </p:clrMapOvr>
+  <p:timing>
+    <p:tnLst>
+      <p:par>
+        <p:cTn id="1" dur="indefinite" restart="never" nodeType="tmRoot"/>
+      </p:par>
+    </p:tnLst>
+  </p:timing>
+</p:sld>
+</file>
+
+<file path=ppt/slides/slide12.xml><?xml version="1.0" encoding="utf-8"?>
+<p:sld xmlns:a="http://schemas.openxmlformats.org/drawingml/2006/main" xmlns:r="http://schemas.openxmlformats.org/officeDocument/2006/relationships" xmlns:p="http://schemas.openxmlformats.org/presentationml/2006/main">
+  <p:cSld>
+    <p:spTree>
+      <p:nvGrpSpPr>
+        <p:cNvPr id="1" name=""/>
+        <p:cNvGrpSpPr/>
+        <p:nvPr/>
+      </p:nvGrpSpPr>
+      <p:grpSpPr>
+        <a:xfrm>
+          <a:off x="0" y="0"/>
+          <a:ext cx="0" cy="0"/>
+          <a:chOff x="0" y="0"/>
+          <a:chExt cx="0" cy="0"/>
+        </a:xfrm>
+      </p:grpSpPr>
+    </p:spTree>
+    <p:extLst>
+      <p:ext uri="{BB962C8B-B14F-4D97-AF65-F5344CB8AC3E}">
+        <p14:creationId xmlns:p14="http://schemas.microsoft.com/office/powerpoint/2010/main" val="3634250045"/>
+      </p:ext>
+    </p:extLst>
+  </p:cSld>
+  <p:clrMapOvr>
+    <a:masterClrMapping/>
+  </p:clrMapOvr>
+  <mc:AlternateContent xmlns:mc="http://schemas.openxmlformats.org/markup-compatibility/2006" xmlns:p14="http://schemas.microsoft.com/office/powerpoint/2010/main">
+    <mc:Choice Requires="p14">
+      <p:transition spd="slow" p14:dur="2000"/>
+    </mc:Choice>
+    <mc:Fallback xmlns="">
+      <p:transition spd="slow"/>
+    </mc:Fallback>
+  </mc:AlternateContent>
+  <p:timing>
+    <p:tnLst>
+      <p:par>
+        <p:cTn id="1" dur="indefinite" restart="never" nodeType="tmRoot"/>
+      </p:par>
+    </p:tnLst>
+  </p:timing>
+</p:sld>
+</file>
+
 <file path=ppt/slides/slide2.xml><?xml version="1.0" encoding="utf-8"?>
 <p:sld xmlns:a="http://schemas.openxmlformats.org/drawingml/2006/main" xmlns:r="http://schemas.openxmlformats.org/officeDocument/2006/relationships" xmlns:p="http://schemas.openxmlformats.org/presentationml/2006/main">
   <p:cSld>
@@ -3355,12 +3650,12 @@
       </p:grpSpPr>
       <p:sp>
         <p:nvSpPr>
-          <p:cNvPr id="2" name="Text Placeholder 1"/>
+          <p:cNvPr id="2" name="Title 1"/>
           <p:cNvSpPr>
             <a:spLocks noGrp="1"/>
           </p:cNvSpPr>
           <p:nvPr>
-            <p:ph type="body" sz="quarter" idx="10"/>
+            <p:ph type="title"/>
           </p:nvPr>
         </p:nvSpPr>
         <p:spPr/>
@@ -3370,35 +3665,70 @@
           <a:p>
             <a:r>
               <a:rPr lang="en-US" dirty="0" smtClean="0"/>
-              <a:t>Binding to Data</a:t>
+              <a:t>JSX: Totally Optional</a:t>
             </a:r>
             <a:endParaRPr lang="en-US" dirty="0"/>
           </a:p>
         </p:txBody>
       </p:sp>
-      <p:sp>
-        <p:nvSpPr>
-          <p:cNvPr id="3" name="Subtitle 2"/>
-          <p:cNvSpPr>
-            <a:spLocks noGrp="1"/>
-          </p:cNvSpPr>
-          <p:nvPr>
-            <p:ph type="subTitle" idx="1"/>
-          </p:nvPr>
-        </p:nvSpPr>
-        <p:spPr/>
-        <p:txBody>
-          <a:bodyPr/>
-          <a:lstStyle/>
-          <a:p>
-            <a:endParaRPr lang="en-US" dirty="0"/>
-          </a:p>
-        </p:txBody>
-      </p:sp>
+      <mc:AlternateContent xmlns:mc="http://schemas.openxmlformats.org/markup-compatibility/2006">
+        <mc:Choice xmlns:we="http://schemas.microsoft.com/office/webextensions/webextension/2010/11" xmlns:pca="http://schemas.microsoft.com/office/powerpoint/2013/contentapp" Requires="we pca">
+          <p:graphicFrame>
+            <p:nvGraphicFramePr>
+              <p:cNvPr id="4" name="Add-in 3" title="Code Presenter Pro"/>
+              <p:cNvGraphicFramePr>
+                <a:graphicFrameLocks noGrp="1"/>
+              </p:cNvGraphicFramePr>
+              <p:nvPr>
+                <p:extLst>
+                  <p:ext uri="{D42A27DB-BD31-4B8C-83A1-F6EECF244321}">
+                    <p14:modId xmlns:p14="http://schemas.microsoft.com/office/powerpoint/2010/main" val="2271120128"/>
+                  </p:ext>
+                </p:extLst>
+              </p:nvPr>
+            </p:nvGraphicFramePr>
+            <p:xfrm>
+              <a:off x="1" y="1820750"/>
+              <a:ext cx="12192000" cy="1708061"/>
+            </p:xfrm>
+            <a:graphic>
+              <a:graphicData uri="http://schemas.microsoft.com/office/webextensions/webextension/2010/11">
+                <we:webextensionref xmlns:we="http://schemas.microsoft.com/office/webextensions/webextension/2010/11" xmlns:r="http://schemas.openxmlformats.org/officeDocument/2006/relationships" r:id="rId2"/>
+              </a:graphicData>
+            </a:graphic>
+          </p:graphicFrame>
+        </mc:Choice>
+        <mc:Fallback>
+          <p:pic>
+            <p:nvPicPr>
+              <p:cNvPr id="4" name="Add-in 3" title="Code Presenter Pro"/>
+              <p:cNvPicPr>
+                <a:picLocks noGrp="1" noRot="1" noChangeAspect="1" noMove="1" noResize="1" noEditPoints="1" noAdjustHandles="1" noChangeArrowheads="1" noChangeShapeType="1"/>
+              </p:cNvPicPr>
+              <p:nvPr/>
+            </p:nvPicPr>
+            <p:blipFill>
+              <a:blip r:embed="rId3"/>
+              <a:stretch>
+                <a:fillRect/>
+              </a:stretch>
+            </p:blipFill>
+            <p:spPr>
+              <a:xfrm>
+                <a:off x="1" y="1820750"/>
+                <a:ext cx="12192000" cy="1708061"/>
+              </a:xfrm>
+              <a:prstGeom prst="rect">
+                <a:avLst/>
+              </a:prstGeom>
+            </p:spPr>
+          </p:pic>
+        </mc:Fallback>
+      </mc:AlternateContent>
     </p:spTree>
     <p:extLst>
       <p:ext uri="{BB962C8B-B14F-4D97-AF65-F5344CB8AC3E}">
-        <p14:creationId xmlns:p14="http://schemas.microsoft.com/office/powerpoint/2010/main" val="2621046722"/>
+        <p14:creationId xmlns:p14="http://schemas.microsoft.com/office/powerpoint/2010/main" val="3610237558"/>
       </p:ext>
     </p:extLst>
   </p:cSld>
@@ -3434,12 +3764,12 @@
       </p:grpSpPr>
       <p:sp>
         <p:nvSpPr>
-          <p:cNvPr id="2" name="Text Placeholder 1"/>
+          <p:cNvPr id="4" name="Title 3"/>
           <p:cNvSpPr>
             <a:spLocks noGrp="1"/>
           </p:cNvSpPr>
           <p:nvPr>
-            <p:ph type="body" sz="quarter" idx="10"/>
+            <p:ph type="title"/>
           </p:nvPr>
         </p:nvSpPr>
         <p:spPr/>
@@ -3449,7 +3779,7 @@
           <a:p>
             <a:r>
               <a:rPr lang="en-US" dirty="0" smtClean="0"/>
-              <a:t>Creating Components</a:t>
+              <a:t>JSX Syntax</a:t>
             </a:r>
             <a:endParaRPr lang="en-US" dirty="0"/>
           </a:p>
@@ -3457,12 +3787,12 @@
       </p:sp>
       <p:sp>
         <p:nvSpPr>
-          <p:cNvPr id="3" name="Subtitle 2"/>
+          <p:cNvPr id="5" name="Content Placeholder 4"/>
           <p:cNvSpPr>
             <a:spLocks noGrp="1"/>
           </p:cNvSpPr>
           <p:nvPr>
-            <p:ph type="subTitle" idx="1"/>
+            <p:ph sz="quarter" idx="10"/>
           </p:nvPr>
         </p:nvSpPr>
         <p:spPr/>
@@ -3470,14 +3800,86 @@
           <a:bodyPr/>
           <a:lstStyle/>
           <a:p>
+            <a:r>
+              <a:rPr lang="en-US" dirty="0" smtClean="0"/>
+              <a:t>Really just JavaScript with HTML in the render methods</a:t>
+            </a:r>
+          </a:p>
+          <a:p>
+            <a:r>
+              <a:rPr lang="en-US" dirty="0" smtClean="0"/>
+              <a:t>Use </a:t>
+            </a:r>
+            <a:r>
+              <a:rPr lang="en-US" dirty="0" err="1" smtClean="0"/>
+              <a:t>className</a:t>
+            </a:r>
+            <a:r>
+              <a:rPr lang="en-US" dirty="0" smtClean="0"/>
+              <a:t> instead of class</a:t>
+            </a:r>
+          </a:p>
+          <a:p>
+            <a:r>
+              <a:rPr lang="en-US" dirty="0" smtClean="0"/>
+              <a:t>Elements are synthetic</a:t>
+            </a:r>
+          </a:p>
+          <a:p>
+            <a:r>
+              <a:rPr lang="en-US" dirty="0" smtClean="0"/>
+              <a:t>And events are synthetic</a:t>
+            </a:r>
+          </a:p>
+          <a:p>
+            <a:r>
+              <a:rPr lang="en-US" dirty="0" smtClean="0"/>
+              <a:t>Actually, everything is totally fake</a:t>
+            </a:r>
+          </a:p>
+          <a:p>
+            <a:r>
+              <a:rPr lang="en-US" dirty="0" smtClean="0"/>
+              <a:t>But it still magically works</a:t>
+            </a:r>
             <a:endParaRPr lang="en-US" dirty="0"/>
           </a:p>
         </p:txBody>
       </p:sp>
+      <p:pic>
+        <p:nvPicPr>
+          <p:cNvPr id="6" name="Picture 5"/>
+          <p:cNvPicPr>
+            <a:picLocks noChangeAspect="1"/>
+          </p:cNvPicPr>
+          <p:nvPr/>
+        </p:nvPicPr>
+        <p:blipFill>
+          <a:blip r:embed="rId2">
+            <a:extLst>
+              <a:ext uri="{28A0092B-C50C-407E-A947-70E740481C1C}">
+                <a14:useLocalDpi xmlns:a14="http://schemas.microsoft.com/office/drawing/2010/main" val="0"/>
+              </a:ext>
+            </a:extLst>
+          </a:blip>
+          <a:stretch>
+            <a:fillRect/>
+          </a:stretch>
+        </p:blipFill>
+        <p:spPr>
+          <a:xfrm>
+            <a:off x="7122016" y="2381518"/>
+            <a:ext cx="5069983" cy="5069983"/>
+          </a:xfrm>
+          <a:prstGeom prst="rect">
+            <a:avLst/>
+          </a:prstGeom>
+        </p:spPr>
+      </p:pic>
     </p:spTree>
     <p:extLst>
       <p:ext uri="{BB962C8B-B14F-4D97-AF65-F5344CB8AC3E}">
-        <p14:creationId xmlns:p14="http://schemas.microsoft.com/office/powerpoint/2010/main" val="1062133740"/>
+        <p14:creationId xmlns:p14="http://schemas.microsoft.com/office/powerpoint/2010/main" val="1943178781"/>
       </p:ext>
     </p:extLst>
   </p:cSld>
@@ -3487,7 +3889,314 @@
   <p:timing>
     <p:tnLst>
       <p:par>
-        <p:cTn id="1" dur="indefinite" restart="never" nodeType="tmRoot"/>
+        <p:cTn id="1" dur="indefinite" restart="never" nodeType="tmRoot">
+          <p:childTnLst>
+            <p:seq concurrent="1" nextAc="seek">
+              <p:cTn id="2" dur="indefinite" nodeType="mainSeq">
+                <p:childTnLst>
+                  <p:par>
+                    <p:cTn id="3" fill="hold">
+                      <p:stCondLst>
+                        <p:cond delay="indefinite"/>
+                      </p:stCondLst>
+                      <p:childTnLst>
+                        <p:par>
+                          <p:cTn id="4" fill="hold">
+                            <p:stCondLst>
+                              <p:cond delay="0"/>
+                            </p:stCondLst>
+                            <p:childTnLst>
+                              <p:par>
+                                <p:cTn id="5" presetID="1" presetClass="entr" presetSubtype="0" fill="hold" nodeType="clickEffect">
+                                  <p:stCondLst>
+                                    <p:cond delay="0"/>
+                                  </p:stCondLst>
+                                  <p:childTnLst>
+                                    <p:set>
+                                      <p:cBhvr>
+                                        <p:cTn id="6" dur="1" fill="hold">
+                                          <p:stCondLst>
+                                            <p:cond delay="0"/>
+                                          </p:stCondLst>
+                                        </p:cTn>
+                                        <p:tgtEl>
+                                          <p:spTgt spid="5">
+                                            <p:txEl>
+                                              <p:pRg st="1" end="1"/>
+                                            </p:txEl>
+                                          </p:spTgt>
+                                        </p:tgtEl>
+                                        <p:attrNameLst>
+                                          <p:attrName>style.visibility</p:attrName>
+                                        </p:attrNameLst>
+                                      </p:cBhvr>
+                                      <p:to>
+                                        <p:strVal val="visible"/>
+                                      </p:to>
+                                    </p:set>
+                                  </p:childTnLst>
+                                </p:cTn>
+                              </p:par>
+                            </p:childTnLst>
+                          </p:cTn>
+                        </p:par>
+                      </p:childTnLst>
+                    </p:cTn>
+                  </p:par>
+                  <p:par>
+                    <p:cTn id="7" fill="hold">
+                      <p:stCondLst>
+                        <p:cond delay="indefinite"/>
+                      </p:stCondLst>
+                      <p:childTnLst>
+                        <p:par>
+                          <p:cTn id="8" fill="hold">
+                            <p:stCondLst>
+                              <p:cond delay="0"/>
+                            </p:stCondLst>
+                            <p:childTnLst>
+                              <p:par>
+                                <p:cTn id="9" presetID="10" presetClass="entr" presetSubtype="0" fill="hold" nodeType="clickEffect">
+                                  <p:stCondLst>
+                                    <p:cond delay="0"/>
+                                  </p:stCondLst>
+                                  <p:childTnLst>
+                                    <p:set>
+                                      <p:cBhvr>
+                                        <p:cTn id="10" dur="1" fill="hold">
+                                          <p:stCondLst>
+                                            <p:cond delay="0"/>
+                                          </p:stCondLst>
+                                        </p:cTn>
+                                        <p:tgtEl>
+                                          <p:spTgt spid="5">
+                                            <p:txEl>
+                                              <p:pRg st="2" end="2"/>
+                                            </p:txEl>
+                                          </p:spTgt>
+                                        </p:tgtEl>
+                                        <p:attrNameLst>
+                                          <p:attrName>style.visibility</p:attrName>
+                                        </p:attrNameLst>
+                                      </p:cBhvr>
+                                      <p:to>
+                                        <p:strVal val="visible"/>
+                                      </p:to>
+                                    </p:set>
+                                    <p:animEffect transition="in" filter="fade">
+                                      <p:cBhvr>
+                                        <p:cTn id="11" dur="500"/>
+                                        <p:tgtEl>
+                                          <p:spTgt spid="5">
+                                            <p:txEl>
+                                              <p:pRg st="2" end="2"/>
+                                            </p:txEl>
+                                          </p:spTgt>
+                                        </p:tgtEl>
+                                      </p:cBhvr>
+                                    </p:animEffect>
+                                  </p:childTnLst>
+                                </p:cTn>
+                              </p:par>
+                            </p:childTnLst>
+                          </p:cTn>
+                        </p:par>
+                      </p:childTnLst>
+                    </p:cTn>
+                  </p:par>
+                  <p:par>
+                    <p:cTn id="12" fill="hold">
+                      <p:stCondLst>
+                        <p:cond delay="indefinite"/>
+                      </p:stCondLst>
+                      <p:childTnLst>
+                        <p:par>
+                          <p:cTn id="13" fill="hold">
+                            <p:stCondLst>
+                              <p:cond delay="0"/>
+                            </p:stCondLst>
+                            <p:childTnLst>
+                              <p:par>
+                                <p:cTn id="14" presetID="1" presetClass="entr" presetSubtype="0" fill="hold" nodeType="clickEffect">
+                                  <p:stCondLst>
+                                    <p:cond delay="0"/>
+                                  </p:stCondLst>
+                                  <p:childTnLst>
+                                    <p:set>
+                                      <p:cBhvr>
+                                        <p:cTn id="15" dur="1" fill="hold">
+                                          <p:stCondLst>
+                                            <p:cond delay="0"/>
+                                          </p:stCondLst>
+                                        </p:cTn>
+                                        <p:tgtEl>
+                                          <p:spTgt spid="5">
+                                            <p:txEl>
+                                              <p:pRg st="3" end="3"/>
+                                            </p:txEl>
+                                          </p:spTgt>
+                                        </p:tgtEl>
+                                        <p:attrNameLst>
+                                          <p:attrName>style.visibility</p:attrName>
+                                        </p:attrNameLst>
+                                      </p:cBhvr>
+                                      <p:to>
+                                        <p:strVal val="visible"/>
+                                      </p:to>
+                                    </p:set>
+                                  </p:childTnLst>
+                                </p:cTn>
+                              </p:par>
+                            </p:childTnLst>
+                          </p:cTn>
+                        </p:par>
+                      </p:childTnLst>
+                    </p:cTn>
+                  </p:par>
+                  <p:par>
+                    <p:cTn id="16" fill="hold">
+                      <p:stCondLst>
+                        <p:cond delay="indefinite"/>
+                      </p:stCondLst>
+                      <p:childTnLst>
+                        <p:par>
+                          <p:cTn id="17" fill="hold">
+                            <p:stCondLst>
+                              <p:cond delay="0"/>
+                            </p:stCondLst>
+                            <p:childTnLst>
+                              <p:par>
+                                <p:cTn id="18" presetID="1" presetClass="entr" presetSubtype="0" fill="hold" nodeType="clickEffect">
+                                  <p:stCondLst>
+                                    <p:cond delay="0"/>
+                                  </p:stCondLst>
+                                  <p:childTnLst>
+                                    <p:set>
+                                      <p:cBhvr>
+                                        <p:cTn id="19" dur="1" fill="hold">
+                                          <p:stCondLst>
+                                            <p:cond delay="0"/>
+                                          </p:stCondLst>
+                                        </p:cTn>
+                                        <p:tgtEl>
+                                          <p:spTgt spid="5">
+                                            <p:txEl>
+                                              <p:pRg st="4" end="4"/>
+                                            </p:txEl>
+                                          </p:spTgt>
+                                        </p:tgtEl>
+                                        <p:attrNameLst>
+                                          <p:attrName>style.visibility</p:attrName>
+                                        </p:attrNameLst>
+                                      </p:cBhvr>
+                                      <p:to>
+                                        <p:strVal val="visible"/>
+                                      </p:to>
+                                    </p:set>
+                                  </p:childTnLst>
+                                </p:cTn>
+                              </p:par>
+                            </p:childTnLst>
+                          </p:cTn>
+                        </p:par>
+                      </p:childTnLst>
+                    </p:cTn>
+                  </p:par>
+                  <p:par>
+                    <p:cTn id="20" fill="hold">
+                      <p:stCondLst>
+                        <p:cond delay="indefinite"/>
+                      </p:stCondLst>
+                      <p:childTnLst>
+                        <p:par>
+                          <p:cTn id="21" fill="hold">
+                            <p:stCondLst>
+                              <p:cond delay="0"/>
+                            </p:stCondLst>
+                            <p:childTnLst>
+                              <p:par>
+                                <p:cTn id="22" presetID="1" presetClass="entr" presetSubtype="0" fill="hold" nodeType="clickEffect">
+                                  <p:stCondLst>
+                                    <p:cond delay="0"/>
+                                  </p:stCondLst>
+                                  <p:childTnLst>
+                                    <p:set>
+                                      <p:cBhvr>
+                                        <p:cTn id="23" dur="1" fill="hold">
+                                          <p:stCondLst>
+                                            <p:cond delay="0"/>
+                                          </p:stCondLst>
+                                        </p:cTn>
+                                        <p:tgtEl>
+                                          <p:spTgt spid="5">
+                                            <p:txEl>
+                                              <p:pRg st="5" end="5"/>
+                                            </p:txEl>
+                                          </p:spTgt>
+                                        </p:tgtEl>
+                                        <p:attrNameLst>
+                                          <p:attrName>style.visibility</p:attrName>
+                                        </p:attrNameLst>
+                                      </p:cBhvr>
+                                      <p:to>
+                                        <p:strVal val="visible"/>
+                                      </p:to>
+                                    </p:set>
+                                  </p:childTnLst>
+                                </p:cTn>
+                              </p:par>
+                              <p:par>
+                                <p:cTn id="24" presetID="1" presetClass="entr" presetSubtype="0" fill="hold" nodeType="withEffect">
+                                  <p:stCondLst>
+                                    <p:cond delay="0"/>
+                                  </p:stCondLst>
+                                  <p:childTnLst>
+                                    <p:set>
+                                      <p:cBhvr>
+                                        <p:cTn id="25" dur="1" fill="hold">
+                                          <p:stCondLst>
+                                            <p:cond delay="0"/>
+                                          </p:stCondLst>
+                                        </p:cTn>
+                                        <p:tgtEl>
+                                          <p:spTgt spid="6"/>
+                                        </p:tgtEl>
+                                        <p:attrNameLst>
+                                          <p:attrName>style.visibility</p:attrName>
+                                        </p:attrNameLst>
+                                      </p:cBhvr>
+                                      <p:to>
+                                        <p:strVal val="visible"/>
+                                      </p:to>
+                                    </p:set>
+                                  </p:childTnLst>
+                                </p:cTn>
+                              </p:par>
+                            </p:childTnLst>
+                          </p:cTn>
+                        </p:par>
+                      </p:childTnLst>
+                    </p:cTn>
+                  </p:par>
+                </p:childTnLst>
+              </p:cTn>
+              <p:prevCondLst>
+                <p:cond evt="onPrev" delay="0">
+                  <p:tgtEl>
+                    <p:sldTgt/>
+                  </p:tgtEl>
+                </p:cond>
+              </p:prevCondLst>
+              <p:nextCondLst>
+                <p:cond evt="onNext" delay="0">
+                  <p:tgtEl>
+                    <p:sldTgt/>
+                  </p:tgtEl>
+                </p:cond>
+              </p:nextCondLst>
+            </p:seq>
+          </p:childTnLst>
+        </p:cTn>
       </p:par>
     </p:tnLst>
   </p:timing>
@@ -3528,7 +4237,7 @@
           <a:p>
             <a:r>
               <a:rPr lang="en-US" dirty="0" smtClean="0"/>
-              <a:t>Forms</a:t>
+              <a:t>Binding to Data</a:t>
             </a:r>
             <a:endParaRPr lang="en-US" dirty="0"/>
           </a:p>
@@ -3556,7 +4265,7 @@
     </p:spTree>
     <p:extLst>
       <p:ext uri="{BB962C8B-B14F-4D97-AF65-F5344CB8AC3E}">
-        <p14:creationId xmlns:p14="http://schemas.microsoft.com/office/powerpoint/2010/main" val="1760673276"/>
+        <p14:creationId xmlns:p14="http://schemas.microsoft.com/office/powerpoint/2010/main" val="2621046722"/>
       </p:ext>
     </p:extLst>
   </p:cSld>
@@ -3592,12 +4301,12 @@
       </p:grpSpPr>
       <p:sp>
         <p:nvSpPr>
-          <p:cNvPr id="2" name="Text Placeholder 1"/>
+          <p:cNvPr id="2" name="Title 1"/>
           <p:cNvSpPr>
             <a:spLocks noGrp="1"/>
           </p:cNvSpPr>
           <p:nvPr>
-            <p:ph type="body" sz="quarter" idx="10"/>
+            <p:ph type="title"/>
           </p:nvPr>
         </p:nvSpPr>
         <p:spPr/>
@@ -3607,14 +4316,7 @@
           <a:p>
             <a:r>
               <a:rPr lang="en-US" dirty="0" smtClean="0"/>
-              <a:t>Precompiled JSX</a:t>
-            </a:r>
-            <a:br>
-              <a:rPr lang="en-US" dirty="0" smtClean="0"/>
-            </a:br>
-            <a:r>
-              <a:rPr lang="en-US" sz="2800" dirty="0" smtClean="0"/>
-              <a:t>Captain Isomorphic!</a:t>
+              <a:t>Bindings</a:t>
             </a:r>
             <a:endParaRPr lang="en-US" dirty="0"/>
           </a:p>
@@ -3622,12 +4324,12 @@
       </p:sp>
       <p:sp>
         <p:nvSpPr>
-          <p:cNvPr id="3" name="Subtitle 2"/>
+          <p:cNvPr id="3" name="Content Placeholder 2"/>
           <p:cNvSpPr>
             <a:spLocks noGrp="1"/>
           </p:cNvSpPr>
           <p:nvPr>
-            <p:ph type="subTitle" idx="1"/>
+            <p:ph sz="quarter" idx="10"/>
           </p:nvPr>
         </p:nvSpPr>
         <p:spPr/>
@@ -3635,14 +4337,29 @@
           <a:bodyPr/>
           <a:lstStyle/>
           <a:p>
-            <a:endParaRPr lang="en-US" dirty="0"/>
+            <a:r>
+              <a:rPr lang="en-US" dirty="0" smtClean="0"/>
+              <a:t>Mustache syntax {}</a:t>
+            </a:r>
+          </a:p>
+          <a:p>
+            <a:r>
+              <a:rPr lang="en-US" dirty="0" smtClean="0"/>
+              <a:t>Bind to props</a:t>
+            </a:r>
+          </a:p>
+          <a:p>
+            <a:r>
+              <a:rPr lang="en-US" dirty="0" smtClean="0"/>
+              <a:t>Don’t overthink it, this is totally easy!</a:t>
+            </a:r>
           </a:p>
         </p:txBody>
       </p:sp>
     </p:spTree>
     <p:extLst>
       <p:ext uri="{BB962C8B-B14F-4D97-AF65-F5344CB8AC3E}">
-        <p14:creationId xmlns:p14="http://schemas.microsoft.com/office/powerpoint/2010/main" val="2295027288"/>
+        <p14:creationId xmlns:p14="http://schemas.microsoft.com/office/powerpoint/2010/main" val="3578433060"/>
       </p:ext>
     </p:extLst>
   </p:cSld>
@@ -3652,9 +4369,133 @@
   <p:timing>
     <p:tnLst>
       <p:par>
-        <p:cTn id="1" dur="indefinite" restart="never" nodeType="tmRoot"/>
+        <p:cTn id="1" dur="indefinite" restart="never" nodeType="tmRoot">
+          <p:childTnLst>
+            <p:seq concurrent="1" nextAc="seek">
+              <p:cTn id="2" dur="indefinite" nodeType="mainSeq">
+                <p:childTnLst>
+                  <p:par>
+                    <p:cTn id="3" fill="hold">
+                      <p:stCondLst>
+                        <p:cond delay="indefinite"/>
+                      </p:stCondLst>
+                      <p:childTnLst>
+                        <p:par>
+                          <p:cTn id="4" fill="hold">
+                            <p:stCondLst>
+                              <p:cond delay="0"/>
+                            </p:stCondLst>
+                            <p:childTnLst>
+                              <p:par>
+                                <p:cTn id="5" presetID="1" presetClass="entr" presetSubtype="0" fill="hold" grpId="0" nodeType="clickEffect">
+                                  <p:stCondLst>
+                                    <p:cond delay="0"/>
+                                  </p:stCondLst>
+                                  <p:childTnLst>
+                                    <p:set>
+                                      <p:cBhvr>
+                                        <p:cTn id="6" dur="1" fill="hold">
+                                          <p:stCondLst>
+                                            <p:cond delay="0"/>
+                                          </p:stCondLst>
+                                        </p:cTn>
+                                        <p:tgtEl>
+                                          <p:spTgt spid="3">
+                                            <p:txEl>
+                                              <p:pRg st="1" end="1"/>
+                                            </p:txEl>
+                                          </p:spTgt>
+                                        </p:tgtEl>
+                                        <p:attrNameLst>
+                                          <p:attrName>style.visibility</p:attrName>
+                                        </p:attrNameLst>
+                                      </p:cBhvr>
+                                      <p:to>
+                                        <p:strVal val="visible"/>
+                                      </p:to>
+                                    </p:set>
+                                  </p:childTnLst>
+                                </p:cTn>
+                              </p:par>
+                            </p:childTnLst>
+                          </p:cTn>
+                        </p:par>
+                      </p:childTnLst>
+                    </p:cTn>
+                  </p:par>
+                  <p:par>
+                    <p:cTn id="7" fill="hold">
+                      <p:stCondLst>
+                        <p:cond delay="indefinite"/>
+                      </p:stCondLst>
+                      <p:childTnLst>
+                        <p:par>
+                          <p:cTn id="8" fill="hold">
+                            <p:stCondLst>
+                              <p:cond delay="0"/>
+                            </p:stCondLst>
+                            <p:childTnLst>
+                              <p:par>
+                                <p:cTn id="9" presetID="1" presetClass="entr" presetSubtype="0" fill="hold" grpId="0" nodeType="clickEffect">
+                                  <p:stCondLst>
+                                    <p:cond delay="0"/>
+                                  </p:stCondLst>
+                                  <p:childTnLst>
+                                    <p:set>
+                                      <p:cBhvr>
+                                        <p:cTn id="10" dur="1" fill="hold">
+                                          <p:stCondLst>
+                                            <p:cond delay="0"/>
+                                          </p:stCondLst>
+                                        </p:cTn>
+                                        <p:tgtEl>
+                                          <p:spTgt spid="3">
+                                            <p:txEl>
+                                              <p:pRg st="2" end="2"/>
+                                            </p:txEl>
+                                          </p:spTgt>
+                                        </p:tgtEl>
+                                        <p:attrNameLst>
+                                          <p:attrName>style.visibility</p:attrName>
+                                        </p:attrNameLst>
+                                      </p:cBhvr>
+                                      <p:to>
+                                        <p:strVal val="visible"/>
+                                      </p:to>
+                                    </p:set>
+                                  </p:childTnLst>
+                                </p:cTn>
+                              </p:par>
+                            </p:childTnLst>
+                          </p:cTn>
+                        </p:par>
+                      </p:childTnLst>
+                    </p:cTn>
+                  </p:par>
+                </p:childTnLst>
+              </p:cTn>
+              <p:prevCondLst>
+                <p:cond evt="onPrev" delay="0">
+                  <p:tgtEl>
+                    <p:sldTgt/>
+                  </p:tgtEl>
+                </p:cond>
+              </p:prevCondLst>
+              <p:nextCondLst>
+                <p:cond evt="onNext" delay="0">
+                  <p:tgtEl>
+                    <p:sldTgt/>
+                  </p:tgtEl>
+                </p:cond>
+              </p:nextCondLst>
+            </p:seq>
+          </p:childTnLst>
+        </p:cTn>
       </p:par>
     </p:tnLst>
+    <p:bldLst>
+      <p:bldP spid="3" grpId="0" uiExpand="1" build="p"/>
+    </p:bldLst>
   </p:timing>
 </p:sld>
 </file>
@@ -3678,12 +4519,12 @@
       </p:grpSpPr>
       <p:sp>
         <p:nvSpPr>
-          <p:cNvPr id="4" name="Title 3"/>
+          <p:cNvPr id="2" name="Text Placeholder 1"/>
           <p:cNvSpPr>
             <a:spLocks noGrp="1"/>
           </p:cNvSpPr>
           <p:nvPr>
-            <p:ph type="title"/>
+            <p:ph type="body" sz="quarter" idx="10"/>
           </p:nvPr>
         </p:nvSpPr>
         <p:spPr/>
@@ -3692,9 +4533,28 @@
           <a:lstStyle/>
           <a:p>
             <a:r>
-              <a:rPr lang="en-US" smtClean="0"/>
-              <a:t>JSX</a:t>
-            </a:r>
+              <a:rPr lang="en-US" dirty="0" smtClean="0"/>
+              <a:t>Creating Components</a:t>
+            </a:r>
+            <a:endParaRPr lang="en-US" dirty="0"/>
+          </a:p>
+        </p:txBody>
+      </p:sp>
+      <p:sp>
+        <p:nvSpPr>
+          <p:cNvPr id="3" name="Subtitle 2"/>
+          <p:cNvSpPr>
+            <a:spLocks noGrp="1"/>
+          </p:cNvSpPr>
+          <p:nvPr>
+            <p:ph type="subTitle" idx="1"/>
+          </p:nvPr>
+        </p:nvSpPr>
+        <p:spPr/>
+        <p:txBody>
+          <a:bodyPr/>
+          <a:lstStyle/>
+          <a:p>
             <a:endParaRPr lang="en-US" dirty="0"/>
           </a:p>
         </p:txBody>
@@ -3702,7 +4562,7 @@
     </p:spTree>
     <p:extLst>
       <p:ext uri="{BB962C8B-B14F-4D97-AF65-F5344CB8AC3E}">
-        <p14:creationId xmlns:p14="http://schemas.microsoft.com/office/powerpoint/2010/main" val="2070553552"/>
+        <p14:creationId xmlns:p14="http://schemas.microsoft.com/office/powerpoint/2010/main" val="1062133740"/>
       </p:ext>
     </p:extLst>
   </p:cSld>
@@ -3736,24 +4596,255 @@
           <a:chExt cx="0" cy="0"/>
         </a:xfrm>
       </p:grpSpPr>
+      <p:sp>
+        <p:nvSpPr>
+          <p:cNvPr id="4" name="Title 3"/>
+          <p:cNvSpPr>
+            <a:spLocks noGrp="1"/>
+          </p:cNvSpPr>
+          <p:nvPr>
+            <p:ph type="title"/>
+          </p:nvPr>
+        </p:nvSpPr>
+        <p:spPr/>
+        <p:txBody>
+          <a:bodyPr/>
+          <a:lstStyle/>
+          <a:p>
+            <a:r>
+              <a:rPr lang="en-US" dirty="0" smtClean="0"/>
+              <a:t>Creating Components</a:t>
+            </a:r>
+            <a:endParaRPr lang="en-US" dirty="0"/>
+          </a:p>
+        </p:txBody>
+      </p:sp>
+      <mc:AlternateContent xmlns:mc="http://schemas.openxmlformats.org/markup-compatibility/2006">
+        <mc:Choice xmlns:we="http://schemas.microsoft.com/office/webextensions/webextension/2010/11" xmlns:pca="http://schemas.microsoft.com/office/powerpoint/2013/contentapp" Requires="we pca">
+          <p:graphicFrame>
+            <p:nvGraphicFramePr>
+              <p:cNvPr id="5" name="Add-in 4" title="Code Presenter Pro"/>
+              <p:cNvGraphicFramePr>
+                <a:graphicFrameLocks noGrp="1"/>
+              </p:cNvGraphicFramePr>
+              <p:nvPr>
+                <p:extLst>
+                  <p:ext uri="{D42A27DB-BD31-4B8C-83A1-F6EECF244321}">
+                    <p14:modId xmlns:p14="http://schemas.microsoft.com/office/powerpoint/2010/main" val="2168537767"/>
+                  </p:ext>
+                </p:extLst>
+              </p:nvPr>
+            </p:nvGraphicFramePr>
+            <p:xfrm>
+              <a:off x="141389" y="975573"/>
+              <a:ext cx="11545786" cy="4539401"/>
+            </p:xfrm>
+            <a:graphic>
+              <a:graphicData uri="http://schemas.microsoft.com/office/webextensions/webextension/2010/11">
+                <we:webextensionref xmlns:we="http://schemas.microsoft.com/office/webextensions/webextension/2010/11" xmlns:r="http://schemas.openxmlformats.org/officeDocument/2006/relationships" r:id="rId2"/>
+              </a:graphicData>
+            </a:graphic>
+          </p:graphicFrame>
+        </mc:Choice>
+        <mc:Fallback>
+          <p:pic>
+            <p:nvPicPr>
+              <p:cNvPr id="5" name="Add-in 4" title="Code Presenter Pro"/>
+              <p:cNvPicPr>
+                <a:picLocks noGrp="1" noRot="1" noChangeAspect="1" noMove="1" noResize="1" noEditPoints="1" noAdjustHandles="1" noChangeArrowheads="1" noChangeShapeType="1"/>
+              </p:cNvPicPr>
+              <p:nvPr/>
+            </p:nvPicPr>
+            <p:blipFill>
+              <a:blip r:embed="rId3"/>
+              <a:stretch>
+                <a:fillRect/>
+              </a:stretch>
+            </p:blipFill>
+            <p:spPr>
+              <a:xfrm>
+                <a:off x="141389" y="975573"/>
+                <a:ext cx="11545786" cy="4539401"/>
+              </a:xfrm>
+              <a:prstGeom prst="rect">
+                <a:avLst/>
+              </a:prstGeom>
+            </p:spPr>
+          </p:pic>
+        </mc:Fallback>
+      </mc:AlternateContent>
     </p:spTree>
     <p:extLst>
       <p:ext uri="{BB962C8B-B14F-4D97-AF65-F5344CB8AC3E}">
-        <p14:creationId xmlns:p14="http://schemas.microsoft.com/office/powerpoint/2010/main" val="3634250045"/>
+        <p14:creationId xmlns:p14="http://schemas.microsoft.com/office/powerpoint/2010/main" val="3450138845"/>
       </p:ext>
     </p:extLst>
   </p:cSld>
   <p:clrMapOvr>
     <a:masterClrMapping/>
   </p:clrMapOvr>
-  <mc:AlternateContent xmlns:mc="http://schemas.openxmlformats.org/markup-compatibility/2006" xmlns:p14="http://schemas.microsoft.com/office/powerpoint/2010/main">
-    <mc:Choice Requires="p14">
-      <p:transition spd="slow" p14:dur="2000"/>
-    </mc:Choice>
-    <mc:Fallback xmlns="">
-      <p:transition spd="slow"/>
-    </mc:Fallback>
-  </mc:AlternateContent>
+  <p:timing>
+    <p:tnLst>
+      <p:par>
+        <p:cTn id="1" dur="indefinite" restart="never" nodeType="tmRoot"/>
+      </p:par>
+    </p:tnLst>
+  </p:timing>
+</p:sld>
+</file>
+
+<file path=ppt/slides/slide9.xml><?xml version="1.0" encoding="utf-8"?>
+<p:sld xmlns:a="http://schemas.openxmlformats.org/drawingml/2006/main" xmlns:r="http://schemas.openxmlformats.org/officeDocument/2006/relationships" xmlns:p="http://schemas.openxmlformats.org/presentationml/2006/main">
+  <p:cSld>
+    <p:spTree>
+      <p:nvGrpSpPr>
+        <p:cNvPr id="1" name=""/>
+        <p:cNvGrpSpPr/>
+        <p:nvPr/>
+      </p:nvGrpSpPr>
+      <p:grpSpPr>
+        <a:xfrm>
+          <a:off x="0" y="0"/>
+          <a:ext cx="0" cy="0"/>
+          <a:chOff x="0" y="0"/>
+          <a:chExt cx="0" cy="0"/>
+        </a:xfrm>
+      </p:grpSpPr>
+      <p:sp>
+        <p:nvSpPr>
+          <p:cNvPr id="4" name="Title 3"/>
+          <p:cNvSpPr>
+            <a:spLocks noGrp="1"/>
+          </p:cNvSpPr>
+          <p:nvPr>
+            <p:ph type="title"/>
+          </p:nvPr>
+        </p:nvSpPr>
+        <p:spPr/>
+        <p:txBody>
+          <a:bodyPr/>
+          <a:lstStyle/>
+          <a:p>
+            <a:r>
+              <a:rPr lang="en-US" dirty="0" smtClean="0"/>
+              <a:t>Creating Components</a:t>
+            </a:r>
+            <a:endParaRPr lang="en-US" dirty="0"/>
+          </a:p>
+        </p:txBody>
+      </p:sp>
+      <mc:AlternateContent xmlns:mc="http://schemas.openxmlformats.org/markup-compatibility/2006">
+        <mc:Choice xmlns:we="http://schemas.microsoft.com/office/webextensions/webextension/2010/11" xmlns:pca="http://schemas.microsoft.com/office/powerpoint/2013/contentapp" Requires="we pca">
+          <p:graphicFrame>
+            <p:nvGraphicFramePr>
+              <p:cNvPr id="5" name="Add-in 4" title="Code Presenter Pro"/>
+              <p:cNvGraphicFramePr>
+                <a:graphicFrameLocks noGrp="1"/>
+              </p:cNvGraphicFramePr>
+              <p:nvPr>
+                <p:extLst>
+                  <p:ext uri="{D42A27DB-BD31-4B8C-83A1-F6EECF244321}">
+                    <p14:modId xmlns:p14="http://schemas.microsoft.com/office/powerpoint/2010/main" val="895446109"/>
+                  </p:ext>
+                </p:extLst>
+              </p:nvPr>
+            </p:nvGraphicFramePr>
+            <p:xfrm>
+              <a:off x="141388" y="975573"/>
+              <a:ext cx="11974411" cy="5482377"/>
+            </p:xfrm>
+            <a:graphic>
+              <a:graphicData uri="http://schemas.microsoft.com/office/webextensions/webextension/2010/11">
+                <we:webextensionref xmlns:we="http://schemas.microsoft.com/office/webextensions/webextension/2010/11" xmlns:r="http://schemas.openxmlformats.org/officeDocument/2006/relationships" r:id="rId2"/>
+              </a:graphicData>
+            </a:graphic>
+          </p:graphicFrame>
+        </mc:Choice>
+        <mc:Fallback>
+          <p:pic>
+            <p:nvPicPr>
+              <p:cNvPr id="5" name="Add-in 4" title="Code Presenter Pro"/>
+              <p:cNvPicPr>
+                <a:picLocks noGrp="1" noRot="1" noChangeAspect="1" noMove="1" noResize="1" noEditPoints="1" noAdjustHandles="1" noChangeArrowheads="1" noChangeShapeType="1"/>
+              </p:cNvPicPr>
+              <p:nvPr/>
+            </p:nvPicPr>
+            <p:blipFill>
+              <a:blip r:embed="rId3"/>
+              <a:stretch>
+                <a:fillRect/>
+              </a:stretch>
+            </p:blipFill>
+            <p:spPr>
+              <a:xfrm>
+                <a:off x="141388" y="975573"/>
+                <a:ext cx="11974411" cy="5482377"/>
+              </a:xfrm>
+              <a:prstGeom prst="rect">
+                <a:avLst/>
+              </a:prstGeom>
+            </p:spPr>
+          </p:pic>
+        </mc:Fallback>
+      </mc:AlternateContent>
+      <p:sp>
+        <p:nvSpPr>
+          <p:cNvPr id="2" name="Rectangle 1"/>
+          <p:cNvSpPr/>
+          <p:nvPr/>
+        </p:nvSpPr>
+        <p:spPr>
+          <a:xfrm>
+            <a:off x="3048000" y="2967335"/>
+            <a:ext cx="6096000" cy="923330"/>
+          </a:xfrm>
+          <a:prstGeom prst="rect">
+            <a:avLst/>
+          </a:prstGeom>
+        </p:spPr>
+        <p:txBody>
+          <a:bodyPr>
+            <a:spAutoFit/>
+          </a:bodyPr>
+          <a:lstStyle/>
+          <a:p>
+            <a:r>
+              <a:rPr lang="en-US" dirty="0" err="1"/>
+              <a:t>var</a:t>
+            </a:r>
+            <a:r>
+              <a:rPr lang="en-US" dirty="0"/>
+              <a:t> HelloWorld = </a:t>
+            </a:r>
+            <a:r>
+              <a:rPr lang="en-US" dirty="0" err="1"/>
+              <a:t>React.createClass</a:t>
+            </a:r>
+            <a:r>
+              <a:rPr lang="en-US" dirty="0"/>
+              <a:t>({ render: function() { return ( &lt;p&gt; Hello, &lt;input type="text" placeholder="Your name here" /&gt;! It is {</a:t>
+            </a:r>
+            <a:r>
+              <a:rPr lang="en-US" dirty="0" err="1"/>
+              <a:t>this.props.date.toTimeString</a:t>
+            </a:r>
+            <a:r>
+              <a:rPr lang="en-US" dirty="0"/>
+              <a:t>()} &lt;/p&gt; ); } });</a:t>
+            </a:r>
+          </a:p>
+        </p:txBody>
+      </p:sp>
+    </p:spTree>
+    <p:extLst>
+      <p:ext uri="{BB962C8B-B14F-4D97-AF65-F5344CB8AC3E}">
+        <p14:creationId xmlns:p14="http://schemas.microsoft.com/office/powerpoint/2010/main" val="2539325799"/>
+      </p:ext>
+    </p:extLst>
+  </p:cSld>
+  <p:clrMapOvr>
+    <a:masterClrMapping/>
+  </p:clrMapOvr>
   <p:timing>
     <p:tnLst>
       <p:par>
@@ -4313,4 +5404,46 @@
     </a:ext>
   </a:extLst>
 </a:theme>
+</file>
+
+<file path=ppt/webextensions/webextension1.xml><?xml version="1.0" encoding="utf-8"?>
+<we:webextension xmlns:we="http://schemas.microsoft.com/office/webextensions/webextension/2010/11" id="{776F457B-18A5-4313-80FC-755C644E3B16}">
+  <we:reference id="wa104379263" version="1.0.0.0" store="en-US" storeType="OMEX"/>
+  <we:alternateReferences>
+    <we:reference id="wa104379263" version="1.0.0.0" store="wa104379263" storeType="OMEX"/>
+  </we:alternateReferences>
+  <we:properties>
+    <we:property name="config" value="{&quot;display_lang&quot;:&quot;en&quot;,&quot;display_font&quot;:&quot;Consolas&quot;,&quot;syntax_color&quot;:{&quot;Reserved words&quot;:&quot;#0000ff&quot;,&quot;Built-in objects&quot;:&quot;#FF0000&quot;,&quot;Line comment&quot;:&quot;#008000&quot;,&quot;Block comment&quot;:&quot;#008000&quot;,&quot;Quotation&quot;:&quot;#FF00FF&quot;,&quot;Quotation 2&quot;:&quot;#FF00FF&quot;,&quot;Number&quot;:&quot;#800080&quot;},&quot;old_syntax_color&quot;:{&quot;Reserved words&quot;:&quot;#0000FF&quot;,&quot;Built-in objects&quot;:&quot;#FF0000&quot;,&quot;Line comment&quot;:&quot;#008000&quot;,&quot;Block comment&quot;:&quot;#008000&quot;,&quot;Quotation&quot;:&quot;#FF00FF&quot;,&quot;Quotation 2&quot;:&quot;#FF00FF&quot;,&quot;Number&quot;:&quot;#800080&quot;},&quot;show_line_number&quot;:false,&quot;code_lang&quot;:&quot;js&quot;,&quot;code&quot;:&quot;var child1 = React.createElement('li', null, 'First Text Content');\nvar child2 = React.createElement('li', null, 'Second Text Content');\nvar root = React.createElement('ul', { className: 'my-list' }, child1, child2);\nReactDOM.render(root, document.getElementById('example'));&quot;,&quot;ctags&quot;:{&quot;child1&quot;:[{&quot;linenum&quot;:&quot;1&quot;,&quot;signature&quot;:&quot;var child1 = React.createElement('li', null, 'First Text Content');&quot;}],&quot;child2&quot;:[{&quot;linenum&quot;:&quot;2&quot;,&quot;signature&quot;:&quot;var child2 = React.createElement('li', null, 'Second Text Content');&quot;}],&quot;root&quot;:[{&quot;linenum&quot;:&quot;3&quot;,&quot;signature&quot;:&quot;var root = React.createElement('ul', { className: 'my-list' }, child1, child2);&quot;}]}}"/>
+  </we:properties>
+  <we:bindings/>
+  <we:snapshot xmlns:r="http://schemas.openxmlformats.org/officeDocument/2006/relationships" r:embed="rId1"/>
+</we:webextension>
+</file>
+
+<file path=ppt/webextensions/webextension2.xml><?xml version="1.0" encoding="utf-8"?>
+<we:webextension xmlns:we="http://schemas.microsoft.com/office/webextensions/webextension/2010/11" id="{0351E6F1-A927-4D1A-A5B7-C9D8779F144D}">
+  <we:reference id="wa104379263" version="1.0.0.0" store="en-US" storeType="OMEX"/>
+  <we:alternateReferences>
+    <we:reference id="wa104379263" version="1.0.0.0" store="wa104379263" storeType="OMEX"/>
+  </we:alternateReferences>
+  <we:properties>
+    <we:property name="config" value="{&quot;display_lang&quot;:&quot;en&quot;,&quot;display_font&quot;:&quot;Consolas&quot;,&quot;syntax_color&quot;:{&quot;Reserved words&quot;:&quot;#0000ff&quot;,&quot;Built-in objects&quot;:&quot;#FF0000&quot;,&quot;Line comment&quot;:&quot;#008000&quot;,&quot;Block comment&quot;:&quot;#008000&quot;,&quot;Quotation&quot;:&quot;#FF00FF&quot;,&quot;Quotation 2&quot;:&quot;#FF00FF&quot;,&quot;Number&quot;:&quot;#800080&quot;},&quot;old_syntax_color&quot;:{&quot;Reserved words&quot;:&quot;#0000FF&quot;,&quot;Built-in objects&quot;:&quot;#FF0000&quot;,&quot;Line comment&quot;:&quot;#008000&quot;,&quot;Block comment&quot;:&quot;#008000&quot;,&quot;Quotation&quot;:&quot;#FF00FF&quot;,&quot;Quotation 2&quot;:&quot;#FF00FF&quot;,&quot;Number&quot;:&quot;#800080&quot;},&quot;show_line_number&quot;:false,&quot;code_lang&quot;:&quot;js&quot;,&quot;code&quot;:&quot;var HelloWorld = React.createClass({\n  render: function() {\n    return (\n      &lt;p&gt;\n        Hello, &lt;input type=\&quot;text\&quot; placeholder=\&quot;Your name here\&quot; /&gt;!\n        It is {this.props.date.toTimeString()}\n      &lt;/p&gt;\n    );\n  }\n});&quot;,&quot;ctags&quot;:{&quot;HelloWorld&quot;:[{&quot;linenum&quot;:&quot;1&quot;,&quot;signature&quot;:&quot;var HelloWorld = React.createClass({&quot;}]}}"/>
+  </we:properties>
+  <we:bindings/>
+  <we:snapshot xmlns:r="http://schemas.openxmlformats.org/officeDocument/2006/relationships" r:embed="rId1"/>
+</we:webextension>
+</file>
+
+<file path=ppt/webextensions/webextension3.xml><?xml version="1.0" encoding="utf-8"?>
+<we:webextension xmlns:we="http://schemas.microsoft.com/office/webextensions/webextension/2010/11" id="{935776AB-F981-4C13-A5D2-6BCF04D1DA03}">
+  <we:reference id="wa104379263" version="1.0.0.0" store="en-US" storeType="OMEX"/>
+  <we:alternateReferences>
+    <we:reference id="wa104379263" version="1.0.0.0" store="wa104379263" storeType="OMEX"/>
+  </we:alternateReferences>
+  <we:properties>
+    <we:property name="config" value="{&quot;display_lang&quot;:&quot;en&quot;,&quot;display_font&quot;:&quot;Consolas&quot;,&quot;syntax_color&quot;:{&quot;Reserved words&quot;:&quot;#0000ff&quot;,&quot;Built-in objects&quot;:&quot;#FF0000&quot;,&quot;Line comment&quot;:&quot;#008000&quot;,&quot;Block comment&quot;:&quot;#008000&quot;,&quot;Quotation&quot;:&quot;#FF00FF&quot;,&quot;Quotation 2&quot;:&quot;#FF00FF&quot;,&quot;Number&quot;:&quot;#800080&quot;},&quot;old_syntax_color&quot;:{&quot;Reserved words&quot;:&quot;#0000FF&quot;,&quot;Built-in objects&quot;:&quot;#FF0000&quot;,&quot;Line comment&quot;:&quot;#008000&quot;,&quot;Block comment&quot;:&quot;#008000&quot;,&quot;Quotation&quot;:&quot;#FF00FF&quot;,&quot;Quotation 2&quot;:&quot;#FF00FF&quot;,&quot;Number&quot;:&quot;#800080&quot;},&quot;show_line_number&quot;:false,&quot;code_lang&quot;:&quot;js&quot;,&quot;code&quot;:&quot;var HelloGalaxy = React.createClass({\n  render: function() {\n    return (\n      &lt;p&gt;\n        &lt;HelloWorld /&gt;\n        &lt;HelloWorld /&gt;\n        &lt;HelloWorld /&gt;\n        &lt;HelloWorld /&gt;\n        &lt;HelloWorld /&gt;\n        &lt;HelloWorld /&gt;\n        &lt;HelloWorld /&gt;\n        &lt;HelloWorld /&gt;\n      &lt;/p&gt;\n    );\n  }\n});&quot;,&quot;ctags&quot;:{&quot;HelloGalaxy&quot;:[{&quot;linenum&quot;:&quot;1&quot;,&quot;signature&quot;:&quot;var HelloGalaxy = React.createClass({&quot;}]}}"/>
+  </we:properties>
+  <we:bindings/>
+  <we:snapshot xmlns:r="http://schemas.openxmlformats.org/officeDocument/2006/relationships" r:embed="rId1"/>
+</we:webextension>
 </file>
--- a/Slides/3 - JSX Templates Components and Data.pptx
+++ b/Slides/3 - JSX Templates Components and Data.pptx
@@ -231,7 +231,7 @@
           <a:p>
             <a:fld id="{A9DDBD42-E139-45FA-9C16-1611187CAC3F}" type="datetimeFigureOut">
               <a:rPr lang="en-US" smtClean="0"/>
-              <a:t>10/20/2015</a:t>
+              <a:t>10/21/2015</a:t>
             </a:fld>
             <a:endParaRPr lang="en-US"/>
           </a:p>
@@ -3671,8 +3671,8 @@
           </a:p>
         </p:txBody>
       </p:sp>
-      <mc:AlternateContent xmlns:mc="http://schemas.openxmlformats.org/markup-compatibility/2006">
-        <mc:Choice xmlns:we="http://schemas.microsoft.com/office/webextensions/webextension/2010/11" xmlns:pca="http://schemas.microsoft.com/office/powerpoint/2013/contentapp" Requires="we pca">
+      <mc:AlternateContent xmlns:mc="http://schemas.openxmlformats.org/markup-compatibility/2006" xmlns:we="http://schemas.microsoft.com/office/webextensions/webextension/2010/11" xmlns:pca="http://schemas.microsoft.com/office/powerpoint/2013/contentapp">
+        <mc:Choice Requires="we pca">
           <p:graphicFrame>
             <p:nvGraphicFramePr>
               <p:cNvPr id="4" name="Add-in 3" title="Code Presenter Pro"/>
@@ -3698,7 +3698,7 @@
             </a:graphic>
           </p:graphicFrame>
         </mc:Choice>
-        <mc:Fallback>
+        <mc:Fallback xmlns="">
           <p:pic>
             <p:nvPicPr>
               <p:cNvPr id="4" name="Add-in 3" title="Code Presenter Pro"/>
@@ -4619,8 +4619,8 @@
           </a:p>
         </p:txBody>
       </p:sp>
-      <mc:AlternateContent xmlns:mc="http://schemas.openxmlformats.org/markup-compatibility/2006">
-        <mc:Choice xmlns:we="http://schemas.microsoft.com/office/webextensions/webextension/2010/11" xmlns:pca="http://schemas.microsoft.com/office/powerpoint/2013/contentapp" Requires="we pca">
+      <mc:AlternateContent xmlns:mc="http://schemas.openxmlformats.org/markup-compatibility/2006" xmlns:we="http://schemas.microsoft.com/office/webextensions/webextension/2010/11" xmlns:pca="http://schemas.microsoft.com/office/powerpoint/2013/contentapp">
+        <mc:Choice Requires="we pca">
           <p:graphicFrame>
             <p:nvGraphicFramePr>
               <p:cNvPr id="5" name="Add-in 4" title="Code Presenter Pro"/>
@@ -4646,7 +4646,7 @@
             </a:graphic>
           </p:graphicFrame>
         </mc:Choice>
-        <mc:Fallback>
+        <mc:Fallback xmlns="">
           <p:pic>
             <p:nvPicPr>
               <p:cNvPr id="5" name="Add-in 4" title="Code Presenter Pro"/>
@@ -4733,8 +4733,8 @@
           </a:p>
         </p:txBody>
       </p:sp>
-      <mc:AlternateContent xmlns:mc="http://schemas.openxmlformats.org/markup-compatibility/2006">
-        <mc:Choice xmlns:we="http://schemas.microsoft.com/office/webextensions/webextension/2010/11" xmlns:pca="http://schemas.microsoft.com/office/powerpoint/2013/contentapp" Requires="we pca">
+      <mc:AlternateContent xmlns:mc="http://schemas.openxmlformats.org/markup-compatibility/2006" xmlns:we="http://schemas.microsoft.com/office/webextensions/webextension/2010/11" xmlns:pca="http://schemas.microsoft.com/office/powerpoint/2013/contentapp">
+        <mc:Choice Requires="we pca">
           <p:graphicFrame>
             <p:nvGraphicFramePr>
               <p:cNvPr id="5" name="Add-in 4" title="Code Presenter Pro"/>
@@ -4760,7 +4760,7 @@
             </a:graphic>
           </p:graphicFrame>
         </mc:Choice>
-        <mc:Fallback>
+        <mc:Fallback xmlns="">
           <p:pic>
             <p:nvPicPr>
               <p:cNvPr id="5" name="Add-in 4" title="Code Presenter Pro"/>
